--- a/doc/python开发课程/day04.pptx
+++ b/doc/python开发课程/day04.pptx
@@ -3210,7 +3210,7 @@
         <p:spPr/>
         <p:txBody>
           <a:bodyPr>
-            <a:normAutofit lnSpcReduction="20000"/>
+            <a:normAutofit fontScale="90000" lnSpcReduction="10000"/>
           </a:bodyPr>
           <a:p>
             <a:r>
@@ -3259,7 +3259,15 @@
             </a:pPr>
             <a:r>
               <a:rPr lang="en-US" altLang="zh-CN" sz="1200"/>
-              <a:t>Xlrd : 用于读取excel文件,主要为了实现数据驱动测试;通过对读取excel生成的list数据进行切割,解析,再加上@pytest.mark.parametrize装饰器实现了数据驱动</a:t>
+              <a:t>Xlrd : 用于读取excel文件(</a:t>
+            </a:r>
+            <a:r>
+              <a:rPr lang="zh-CN" altLang="en-US" sz="1200"/>
+              <a:t>测试数据</a:t>
+            </a:r>
+            <a:r>
+              <a:rPr lang="en-US" altLang="zh-CN" sz="1200"/>
+              <a:t>),主要为了实现数据驱动测试;通过对读取excel生成的list数据进行切割,解析,再加上@pytest.mark.parametrize装饰器实现了数据驱动</a:t>
             </a:r>
             <a:endParaRPr lang="en-US" altLang="zh-CN" sz="1200"/>
           </a:p>
@@ -3298,131 +3306,134 @@
             </a:endParaRPr>
           </a:p>
           <a:p>
-            <a:pPr marL="0" indent="0">
+            <a:pPr marL="0" indent="0" fontAlgn="auto">
+              <a:lnSpc>
+                <a:spcPct val="150000"/>
+              </a:lnSpc>
               <a:buNone/>
             </a:pPr>
             <a:r>
-              <a:rPr lang="zh-CN" altLang="en-US" sz="1200">
+              <a:rPr lang="zh-CN" altLang="en-US" sz="1600">
                 <a:sym typeface="+mn-ea"/>
               </a:rPr>
               <a:t>数据驱动测试</a:t>
             </a:r>
             <a:r>
-              <a:rPr lang="en-US" altLang="zh-CN" sz="1200">
+              <a:rPr lang="en-US" altLang="zh-CN" sz="1600">
                 <a:sym typeface="+mn-ea"/>
               </a:rPr>
               <a:t>,html</a:t>
             </a:r>
             <a:r>
-              <a:rPr lang="zh-CN" altLang="en-US" sz="1200">
+              <a:rPr lang="zh-CN" altLang="en-US" sz="1600">
                 <a:sym typeface="+mn-ea"/>
               </a:rPr>
               <a:t>版的测试报告</a:t>
             </a:r>
             <a:r>
-              <a:rPr lang="en-US" altLang="zh-CN" sz="1200">
+              <a:rPr lang="en-US" altLang="zh-CN" sz="1600">
                 <a:sym typeface="+mn-ea"/>
               </a:rPr>
               <a:t>,</a:t>
             </a:r>
             <a:r>
-              <a:rPr lang="zh-CN" altLang="en-US" sz="1200">
+              <a:rPr lang="zh-CN" altLang="en-US" sz="1600">
                 <a:sym typeface="+mn-ea"/>
               </a:rPr>
               <a:t>报告中包含测试用例数量</a:t>
             </a:r>
             <a:r>
-              <a:rPr lang="en-US" altLang="zh-CN" sz="1200">
+              <a:rPr lang="en-US" altLang="zh-CN" sz="1600">
                 <a:sym typeface="+mn-ea"/>
               </a:rPr>
               <a:t>,</a:t>
             </a:r>
             <a:r>
-              <a:rPr lang="zh-CN" altLang="en-US" sz="1200">
+              <a:rPr lang="zh-CN" altLang="en-US" sz="1600">
                 <a:sym typeface="+mn-ea"/>
               </a:rPr>
               <a:t>测试通过率</a:t>
             </a:r>
             <a:r>
-              <a:rPr lang="en-US" altLang="zh-CN" sz="1200">
+              <a:rPr lang="en-US" altLang="zh-CN" sz="1600">
                 <a:sym typeface="+mn-ea"/>
               </a:rPr>
               <a:t>,</a:t>
             </a:r>
             <a:r>
-              <a:rPr lang="zh-CN" altLang="en-US" sz="1200">
+              <a:rPr lang="zh-CN" altLang="en-US" sz="1600">
                 <a:sym typeface="+mn-ea"/>
               </a:rPr>
               <a:t>响应时间 </a:t>
             </a:r>
             <a:r>
-              <a:rPr lang="en-US" altLang="zh-CN" sz="1200">
+              <a:rPr lang="en-US" altLang="zh-CN" sz="1600">
                 <a:sym typeface="+mn-ea"/>
               </a:rPr>
               <a:t>,</a:t>
             </a:r>
             <a:r>
-              <a:rPr lang="zh-CN" altLang="en-US" sz="1200">
+              <a:rPr lang="zh-CN" altLang="en-US" sz="1600">
                 <a:sym typeface="+mn-ea"/>
               </a:rPr>
               <a:t>用例状态分析</a:t>
             </a:r>
             <a:r>
-              <a:rPr lang="en-US" altLang="zh-CN" sz="1200">
+              <a:rPr lang="en-US" altLang="zh-CN" sz="1600">
                 <a:sym typeface="+mn-ea"/>
               </a:rPr>
               <a:t>,</a:t>
             </a:r>
             <a:r>
-              <a:rPr lang="zh-CN" altLang="en-US" sz="1200">
+              <a:rPr lang="zh-CN" altLang="en-US" sz="1600">
                 <a:sym typeface="+mn-ea"/>
               </a:rPr>
               <a:t>用例耗时分布图</a:t>
             </a:r>
             <a:r>
-              <a:rPr lang="en-US" altLang="zh-CN" sz="1200">
+              <a:rPr lang="en-US" altLang="zh-CN" sz="1600">
                 <a:sym typeface="+mn-ea"/>
               </a:rPr>
               <a:t>,</a:t>
             </a:r>
             <a:r>
-              <a:rPr lang="zh-CN" altLang="en-US" sz="1200">
+              <a:rPr lang="zh-CN" altLang="en-US" sz="1600">
                 <a:sym typeface="+mn-ea"/>
               </a:rPr>
               <a:t>用例优先级分布图</a:t>
             </a:r>
             <a:r>
-              <a:rPr lang="en-US" altLang="zh-CN" sz="1200">
+              <a:rPr lang="en-US" altLang="zh-CN" sz="1600">
                 <a:sym typeface="+mn-ea"/>
               </a:rPr>
               <a:t> , </a:t>
             </a:r>
             <a:r>
-              <a:rPr lang="zh-CN" altLang="en-US" sz="1200">
+              <a:rPr lang="zh-CN" altLang="en-US" sz="1600">
                 <a:sym typeface="+mn-ea"/>
               </a:rPr>
               <a:t>用例执行的时间线刻度</a:t>
             </a:r>
             <a:r>
-              <a:rPr lang="en-US" altLang="zh-CN" sz="1200">
+              <a:rPr lang="en-US" altLang="zh-CN" sz="1600">
                 <a:sym typeface="+mn-ea"/>
               </a:rPr>
               <a:t> </a:t>
             </a:r>
             <a:r>
-              <a:rPr lang="zh-CN" altLang="en-US" sz="1200">
+              <a:rPr lang="zh-CN" altLang="en-US" sz="1600">
                 <a:sym typeface="+mn-ea"/>
               </a:rPr>
               <a:t>每个接口的请求和响应日志</a:t>
             </a:r>
             <a:r>
-              <a:rPr lang="en-US" altLang="zh-CN" sz="1200">
+              <a:rPr lang="en-US" altLang="zh-CN" sz="1600">
                 <a:sym typeface="+mn-ea"/>
               </a:rPr>
               <a:t>,</a:t>
             </a:r>
             <a:r>
-              <a:rPr lang="zh-CN" altLang="en-US" sz="1200">
+              <a:rPr lang="zh-CN" altLang="en-US" sz="1600">
                 <a:sym typeface="+mn-ea"/>
               </a:rPr>
               <a:t>还有断言失败的结果日志</a:t>
